--- a/Presentacion final/Presentacion.pptx
+++ b/Presentacion final/Presentacion.pptx
@@ -3027,7 +3027,7 @@
         <p:spPr>
           <a:xfrm>
             <a:off x="9384951" y="6680200"/>
-            <a:ext cx="3109822" cy="2536143"/>
+            <a:ext cx="3109821" cy="2536143"/>
           </a:xfrm>
           <a:prstGeom prst="rect">
             <a:avLst/>
@@ -3073,7 +3073,7 @@
               <a:defRPr sz="2000"/>
             </a:pPr>
             <a:r>
-              <a:t>Grupo 5:</a:t>
+              <a:t>Grupo 2:</a:t>
             </a:r>
           </a:p>
           <a:p>
@@ -3139,7 +3139,7 @@
         </p:nvSpPr>
         <p:spPr>
           <a:xfrm>
-            <a:off x="2826512" y="4940300"/>
+            <a:off x="2826512" y="4940299"/>
             <a:ext cx="7351777" cy="711201"/>
           </a:xfrm>
           <a:prstGeom prst="rect">
@@ -3224,7 +3224,7 @@
         <p:spPr>
           <a:xfrm>
             <a:off x="2924450" y="694946"/>
-            <a:ext cx="5690541" cy="939801"/>
+            <a:ext cx="5690540" cy="939801"/>
           </a:xfrm>
           <a:prstGeom prst="rect">
             <a:avLst/>
@@ -3551,8 +3551,8 @@
         </p:nvSpPr>
         <p:spPr>
           <a:xfrm>
-            <a:off x="952499" y="4209487"/>
-            <a:ext cx="11099801" cy="3061826"/>
+            <a:off x="952500" y="4209487"/>
+            <a:ext cx="11099800" cy="3061826"/>
           </a:xfrm>
           <a:prstGeom prst="rect">
             <a:avLst/>
@@ -3876,8 +3876,8 @@
         </p:blipFill>
         <p:spPr>
           <a:xfrm>
-            <a:off x="8262209" y="2737875"/>
-            <a:ext cx="4159868" cy="3065003"/>
+            <a:off x="8262210" y="2737875"/>
+            <a:ext cx="4159867" cy="3065003"/>
           </a:xfrm>
           <a:prstGeom prst="rect">
             <a:avLst/>

--- a/Presentacion final/Presentacion.pptx
+++ b/Presentacion final/Presentacion.pptx
@@ -15,7 +15,6 @@
     <p:sldId id="260" r:id="rId12"/>
     <p:sldId id="261" r:id="rId13"/>
     <p:sldId id="262" r:id="rId14"/>
-    <p:sldId id="263" r:id="rId15"/>
   </p:sldIdLst>
   <p:sldSz cx="13004800" cy="9753600"/>
   <p:notesSz cx="6858000" cy="9144000"/>
@@ -3899,77 +3898,6 @@
 </p:sld>
 </file>
 
-<file path=ppt/slides/slide8.xml><?xml version="1.0" encoding="utf-8"?>
-<p:sld xmlns:a="http://schemas.openxmlformats.org/drawingml/2006/main" xmlns:r="http://schemas.openxmlformats.org/officeDocument/2006/relationships" xmlns:p="http://schemas.openxmlformats.org/presentationml/2006/main" showMasterSp="1" showMasterPhAnim="1">
-  <p:cSld>
-    <p:spTree>
-      <p:nvGrpSpPr>
-        <p:cNvPr id="1" name=""/>
-        <p:cNvGrpSpPr/>
-        <p:nvPr/>
-      </p:nvGrpSpPr>
-      <p:grpSpPr>
-        <a:xfrm>
-          <a:off x="0" y="0"/>
-          <a:ext cx="0" cy="0"/>
-          <a:chOff x="0" y="0"/>
-          <a:chExt cx="0" cy="0"/>
-        </a:xfrm>
-      </p:grpSpPr>
-      <p:sp>
-        <p:nvSpPr>
-          <p:cNvPr id="145" name="Shape 145"/>
-          <p:cNvSpPr/>
-          <p:nvPr>
-            <p:ph type="title"/>
-          </p:nvPr>
-        </p:nvSpPr>
-        <p:spPr>
-          <a:prstGeom prst="rect">
-            <a:avLst/>
-          </a:prstGeom>
-        </p:spPr>
-        <p:txBody>
-          <a:bodyPr/>
-          <a:lstStyle/>
-          <a:p>
-            <a:pPr/>
-            <a:r>
-              <a:t>Patrones</a:t>
-            </a:r>
-          </a:p>
-        </p:txBody>
-      </p:sp>
-      <p:sp>
-        <p:nvSpPr>
-          <p:cNvPr id="146" name="Shape 146"/>
-          <p:cNvSpPr/>
-          <p:nvPr>
-            <p:ph type="body" idx="1"/>
-          </p:nvPr>
-        </p:nvSpPr>
-        <p:spPr>
-          <a:prstGeom prst="rect">
-            <a:avLst/>
-          </a:prstGeom>
-        </p:spPr>
-        <p:txBody>
-          <a:bodyPr/>
-          <a:lstStyle/>
-          <a:p>
-            <a:pPr/>
-          </a:p>
-        </p:txBody>
-      </p:sp>
-    </p:spTree>
-  </p:cSld>
-  <p:clrMapOvr>
-    <a:masterClrMapping/>
-  </p:clrMapOvr>
-  <p:transition xmlns:p14="http://schemas.microsoft.com/office/powerpoint/2010/main" spd="med" advClick="1" p14:dur="1000"/>
-</p:sld>
-</file>
-
 <file path=ppt/theme/theme1.xml><?xml version="1.0" encoding="utf-8"?>
 <a:theme xmlns:a="http://schemas.openxmlformats.org/drawingml/2006/main" xmlns:r="http://schemas.openxmlformats.org/officeDocument/2006/relationships" name="Gradient">
   <a:themeElements>
